--- a/day 11/SAC_Training Day 11.pptx
+++ b/day 11/SAC_Training Day 11.pptx
@@ -204,7 +204,7 @@
           <a:p>
             <a:fld id="{4AF2A06D-4991-4208-8C88-4E8BAD69A8B8}" type="datetimeFigureOut">
               <a:rPr lang="en-US" smtClean="0"/>
-              <a:t>11/24/2021</a:t>
+              <a:t>1/9/2022</a:t>
             </a:fld>
             <a:endParaRPr lang="en-US"/>
           </a:p>
@@ -828,7 +828,7 @@
           <a:p>
             <a:fld id="{E26E0DA5-0C76-4851-AA82-0B75261F9EB4}" type="datetimeFigureOut">
               <a:rPr lang="en-US" smtClean="0"/>
-              <a:t>11/24/2021</a:t>
+              <a:t>1/9/2022</a:t>
             </a:fld>
             <a:endParaRPr lang="en-US"/>
           </a:p>
@@ -996,7 +996,7 @@
           <a:p>
             <a:fld id="{E26E0DA5-0C76-4851-AA82-0B75261F9EB4}" type="datetimeFigureOut">
               <a:rPr lang="en-US" smtClean="0"/>
-              <a:t>11/24/2021</a:t>
+              <a:t>1/9/2022</a:t>
             </a:fld>
             <a:endParaRPr lang="en-US"/>
           </a:p>
@@ -1174,7 +1174,7 @@
           <a:p>
             <a:fld id="{E26E0DA5-0C76-4851-AA82-0B75261F9EB4}" type="datetimeFigureOut">
               <a:rPr lang="en-US" smtClean="0"/>
-              <a:t>11/24/2021</a:t>
+              <a:t>1/9/2022</a:t>
             </a:fld>
             <a:endParaRPr lang="en-US"/>
           </a:p>
@@ -1501,7 +1501,7 @@
             <a:fld id="{9578D6DB-6798-42D2-B9AD-FC6F1C72FC30}" type="datetimeFigureOut">
               <a:rPr lang="en-US" smtClean="0"/>
               <a:pPr/>
-              <a:t>11/24/2021</a:t>
+              <a:t>1/9/2022</a:t>
             </a:fld>
             <a:endParaRPr lang="en-US"/>
           </a:p>
@@ -1743,7 +1743,7 @@
             <a:fld id="{425404F2-BE9A-4460-8815-8F645183555F}" type="datetimeFigureOut">
               <a:rPr lang="en-US" smtClean="0"/>
               <a:pPr/>
-              <a:t>11/24/2021</a:t>
+              <a:t>1/9/2022</a:t>
             </a:fld>
             <a:endParaRPr lang="en-US"/>
           </a:p>
@@ -1871,7 +1871,7 @@
             <a:fld id="{425404F2-BE9A-4460-8815-8F645183555F}" type="datetimeFigureOut">
               <a:rPr lang="en-US" smtClean="0"/>
               <a:pPr/>
-              <a:t>11/24/2021</a:t>
+              <a:t>1/9/2022</a:t>
             </a:fld>
             <a:endParaRPr lang="en-US"/>
           </a:p>
@@ -2121,7 +2121,7 @@
             <a:fld id="{425404F2-BE9A-4460-8815-8F645183555F}" type="datetimeFigureOut">
               <a:rPr lang="en-US" smtClean="0"/>
               <a:pPr/>
-              <a:t>11/24/2021</a:t>
+              <a:t>1/9/2022</a:t>
             </a:fld>
             <a:endParaRPr lang="en-US"/>
           </a:p>
@@ -2291,7 +2291,7 @@
             <a:fld id="{425404F2-BE9A-4460-8815-8F645183555F}" type="datetimeFigureOut">
               <a:rPr lang="en-US" smtClean="0"/>
               <a:pPr/>
-              <a:t>11/24/2021</a:t>
+              <a:t>1/9/2022</a:t>
             </a:fld>
             <a:endParaRPr lang="en-US"/>
           </a:p>
@@ -2578,7 +2578,7 @@
             <a:fld id="{425404F2-BE9A-4460-8815-8F645183555F}" type="datetimeFigureOut">
               <a:rPr lang="en-US" smtClean="0"/>
               <a:pPr/>
-              <a:t>11/24/2021</a:t>
+              <a:t>1/9/2022</a:t>
             </a:fld>
             <a:endParaRPr lang="en-US"/>
           </a:p>
@@ -2999,7 +2999,7 @@
             <a:fld id="{425404F2-BE9A-4460-8815-8F645183555F}" type="datetimeFigureOut">
               <a:rPr lang="en-US" smtClean="0"/>
               <a:pPr/>
-              <a:t>11/24/2021</a:t>
+              <a:t>1/9/2022</a:t>
             </a:fld>
             <a:endParaRPr lang="en-US"/>
           </a:p>
@@ -3124,7 +3124,7 @@
             <a:fld id="{425404F2-BE9A-4460-8815-8F645183555F}" type="datetimeFigureOut">
               <a:rPr lang="en-US" smtClean="0"/>
               <a:pPr/>
-              <a:t>11/24/2021</a:t>
+              <a:t>1/9/2022</a:t>
             </a:fld>
             <a:endParaRPr lang="en-US"/>
           </a:p>
@@ -3350,7 +3350,7 @@
           <a:p>
             <a:fld id="{E26E0DA5-0C76-4851-AA82-0B75261F9EB4}" type="datetimeFigureOut">
               <a:rPr lang="en-US" smtClean="0"/>
-              <a:t>11/24/2021</a:t>
+              <a:t>1/9/2022</a:t>
             </a:fld>
             <a:endParaRPr lang="en-US"/>
           </a:p>
@@ -3474,7 +3474,7 @@
             <a:fld id="{425404F2-BE9A-4460-8815-8F645183555F}" type="datetimeFigureOut">
               <a:rPr lang="en-US" smtClean="0"/>
               <a:pPr/>
-              <a:t>11/24/2021</a:t>
+              <a:t>1/9/2022</a:t>
             </a:fld>
             <a:endParaRPr lang="en-US"/>
           </a:p>
@@ -4021,7 +4021,7 @@
             <a:fld id="{425404F2-BE9A-4460-8815-8F645183555F}" type="datetimeFigureOut">
               <a:rPr lang="en-US" smtClean="0"/>
               <a:pPr/>
-              <a:t>11/24/2021</a:t>
+              <a:t>1/9/2022</a:t>
             </a:fld>
             <a:endParaRPr lang="en-US"/>
           </a:p>
@@ -4169,7 +4169,7 @@
             <a:fld id="{425404F2-BE9A-4460-8815-8F645183555F}" type="datetimeFigureOut">
               <a:rPr lang="en-US" smtClean="0"/>
               <a:pPr/>
-              <a:t>11/24/2021</a:t>
+              <a:t>1/9/2022</a:t>
             </a:fld>
             <a:endParaRPr lang="en-US"/>
           </a:p>
@@ -4402,7 +4402,7 @@
             <a:fld id="{425404F2-BE9A-4460-8815-8F645183555F}" type="datetimeFigureOut">
               <a:rPr lang="en-US" smtClean="0"/>
               <a:pPr/>
-              <a:t>11/24/2021</a:t>
+              <a:t>1/9/2022</a:t>
             </a:fld>
             <a:endParaRPr lang="en-US"/>
           </a:p>
@@ -4640,7 +4640,7 @@
             <a:fld id="{425404F2-BE9A-4460-8815-8F645183555F}" type="datetimeFigureOut">
               <a:rPr lang="en-US" smtClean="0"/>
               <a:pPr/>
-              <a:t>11/24/2021</a:t>
+              <a:t>1/9/2022</a:t>
             </a:fld>
             <a:endParaRPr lang="en-US"/>
           </a:p>
@@ -4822,7 +4822,7 @@
             <a:fld id="{425404F2-BE9A-4460-8815-8F645183555F}" type="datetimeFigureOut">
               <a:rPr lang="en-US" smtClean="0"/>
               <a:pPr/>
-              <a:t>11/24/2021</a:t>
+              <a:t>1/9/2022</a:t>
             </a:fld>
             <a:endParaRPr lang="en-US"/>
           </a:p>
@@ -5099,7 +5099,7 @@
             <a:fld id="{425404F2-BE9A-4460-8815-8F645183555F}" type="datetimeFigureOut">
               <a:rPr lang="en-US" smtClean="0"/>
               <a:pPr/>
-              <a:t>11/24/2021</a:t>
+              <a:t>1/9/2022</a:t>
             </a:fld>
             <a:endParaRPr lang="en-US"/>
           </a:p>
@@ -5353,7 +5353,7 @@
             <a:fld id="{425404F2-BE9A-4460-8815-8F645183555F}" type="datetimeFigureOut">
               <a:rPr lang="en-US" smtClean="0"/>
               <a:pPr/>
-              <a:t>11/24/2021</a:t>
+              <a:t>1/9/2022</a:t>
             </a:fld>
             <a:endParaRPr lang="en-US"/>
           </a:p>
@@ -5523,7 +5523,7 @@
             <a:fld id="{425404F2-BE9A-4460-8815-8F645183555F}" type="datetimeFigureOut">
               <a:rPr lang="en-US" smtClean="0"/>
               <a:pPr/>
-              <a:t>11/24/2021</a:t>
+              <a:t>1/9/2022</a:t>
             </a:fld>
             <a:endParaRPr lang="en-US"/>
           </a:p>
@@ -5703,7 +5703,7 @@
             <a:fld id="{425404F2-BE9A-4460-8815-8F645183555F}" type="datetimeFigureOut">
               <a:rPr lang="en-US" smtClean="0"/>
               <a:pPr/>
-              <a:t>11/24/2021</a:t>
+              <a:t>1/9/2022</a:t>
             </a:fld>
             <a:endParaRPr lang="en-US"/>
           </a:p>
@@ -5949,7 +5949,7 @@
           <a:p>
             <a:fld id="{E26E0DA5-0C76-4851-AA82-0B75261F9EB4}" type="datetimeFigureOut">
               <a:rPr lang="en-US" smtClean="0"/>
-              <a:t>11/24/2021</a:t>
+              <a:t>1/9/2022</a:t>
             </a:fld>
             <a:endParaRPr lang="en-US"/>
           </a:p>
@@ -6178,7 +6178,7 @@
           <a:p>
             <a:fld id="{E26E0DA5-0C76-4851-AA82-0B75261F9EB4}" type="datetimeFigureOut">
               <a:rPr lang="en-US" smtClean="0"/>
-              <a:t>11/24/2021</a:t>
+              <a:t>1/9/2022</a:t>
             </a:fld>
             <a:endParaRPr lang="en-US"/>
           </a:p>
@@ -6542,7 +6542,7 @@
           <a:p>
             <a:fld id="{E26E0DA5-0C76-4851-AA82-0B75261F9EB4}" type="datetimeFigureOut">
               <a:rPr lang="en-US" smtClean="0"/>
-              <a:t>11/24/2021</a:t>
+              <a:t>1/9/2022</a:t>
             </a:fld>
             <a:endParaRPr lang="en-US"/>
           </a:p>
@@ -6659,7 +6659,7 @@
           <a:p>
             <a:fld id="{E26E0DA5-0C76-4851-AA82-0B75261F9EB4}" type="datetimeFigureOut">
               <a:rPr lang="en-US" smtClean="0"/>
-              <a:t>11/24/2021</a:t>
+              <a:t>1/9/2022</a:t>
             </a:fld>
             <a:endParaRPr lang="en-US"/>
           </a:p>
@@ -6754,7 +6754,7 @@
           <a:p>
             <a:fld id="{E26E0DA5-0C76-4851-AA82-0B75261F9EB4}" type="datetimeFigureOut">
               <a:rPr lang="en-US" smtClean="0"/>
-              <a:t>11/24/2021</a:t>
+              <a:t>1/9/2022</a:t>
             </a:fld>
             <a:endParaRPr lang="en-US"/>
           </a:p>
@@ -7029,7 +7029,7 @@
           <a:p>
             <a:fld id="{E26E0DA5-0C76-4851-AA82-0B75261F9EB4}" type="datetimeFigureOut">
               <a:rPr lang="en-US" smtClean="0"/>
-              <a:t>11/24/2021</a:t>
+              <a:t>1/9/2022</a:t>
             </a:fld>
             <a:endParaRPr lang="en-US"/>
           </a:p>
@@ -7281,7 +7281,7 @@
           <a:p>
             <a:fld id="{E26E0DA5-0C76-4851-AA82-0B75261F9EB4}" type="datetimeFigureOut">
               <a:rPr lang="en-US" smtClean="0"/>
-              <a:t>11/24/2021</a:t>
+              <a:t>1/9/2022</a:t>
             </a:fld>
             <a:endParaRPr lang="en-US"/>
           </a:p>
@@ -7492,7 +7492,7 @@
           <a:p>
             <a:fld id="{E26E0DA5-0C76-4851-AA82-0B75261F9EB4}" type="datetimeFigureOut">
               <a:rPr lang="en-US" smtClean="0"/>
-              <a:t>11/24/2021</a:t>
+              <a:t>1/9/2022</a:t>
             </a:fld>
             <a:endParaRPr lang="en-US"/>
           </a:p>
@@ -8049,7 +8049,7 @@
             <a:fld id="{425404F2-BE9A-4460-8815-8F645183555F}" type="datetimeFigureOut">
               <a:rPr lang="en-US" smtClean="0"/>
               <a:pPr/>
-              <a:t>11/24/2021</a:t>
+              <a:t>1/9/2022</a:t>
             </a:fld>
             <a:endParaRPr lang="en-US"/>
           </a:p>
@@ -8610,7 +8610,7 @@
         <p:spPr>
           <a:xfrm>
             <a:off x="187367" y="2062424"/>
-            <a:ext cx="6629399" cy="1754326"/>
+            <a:ext cx="6629399" cy="1200329"/>
           </a:xfrm>
           <a:prstGeom prst="rect">
             <a:avLst/>
@@ -8642,27 +8642,20 @@
           </a:p>
           <a:p>
             <a:r>
-              <a:rPr lang="en-US" sz="3600" spc="-150" dirty="0" smtClean="0">
+              <a:rPr lang="en-US" sz="3600" spc="-150" smtClean="0">
                 <a:solidFill>
                   <a:schemeClr val="bg1"/>
                 </a:solidFill>
               </a:rPr>
-              <a:t>Shubham Singh</a:t>
-            </a:r>
-            <a:endParaRPr lang="en-US" sz="3600" spc="-150" dirty="0">
-              <a:solidFill>
-                <a:schemeClr val="bg1"/>
-              </a:solidFill>
-            </a:endParaRPr>
-          </a:p>
-          <a:p>
+              <a:t>Day </a:t>
+            </a:r>
             <a:r>
               <a:rPr lang="en-US" sz="3600" spc="-150" dirty="0">
                 <a:solidFill>
                   <a:schemeClr val="bg1"/>
                 </a:solidFill>
               </a:rPr>
-              <a:t>Day 11</a:t>
+              <a:t>11</a:t>
             </a:r>
           </a:p>
         </p:txBody>
@@ -8714,7 +8707,7 @@
           <p:cNvPr id="2" name="Title 3">
             <a:extLst>
               <a:ext uri="{FF2B5EF4-FFF2-40B4-BE49-F238E27FC236}">
-                <a16:creationId xmlns:a16="http://schemas.microsoft.com/office/drawing/2014/main" xmlns="" id="{F07FC580-E2AB-4C55-8C95-D5E077A1D127}"/>
+                <a16:creationId xmlns:a16="http://schemas.microsoft.com/office/drawing/2014/main" id="{F07FC580-E2AB-4C55-8C95-D5E077A1D127}"/>
               </a:ext>
             </a:extLst>
           </p:cNvPr>
@@ -8796,7 +8789,7 @@
           <p:cNvPr id="5" name="TextBox 4">
             <a:extLst>
               <a:ext uri="{FF2B5EF4-FFF2-40B4-BE49-F238E27FC236}">
-                <a16:creationId xmlns:a16="http://schemas.microsoft.com/office/drawing/2014/main" xmlns="" id="{27E5B41D-1DDF-48C9-A5AF-075F84492B68}"/>
+                <a16:creationId xmlns:a16="http://schemas.microsoft.com/office/drawing/2014/main" id="{27E5B41D-1DDF-48C9-A5AF-075F84492B68}"/>
               </a:ext>
             </a:extLst>
           </p:cNvPr>
@@ -9040,7 +9033,7 @@
           <p:cNvPr id="6" name="TextBox 5">
             <a:extLst>
               <a:ext uri="{FF2B5EF4-FFF2-40B4-BE49-F238E27FC236}">
-                <a16:creationId xmlns:a16="http://schemas.microsoft.com/office/drawing/2014/main" xmlns="" id="{E8CAC22F-1542-4031-BC6C-A16989886504}"/>
+                <a16:creationId xmlns:a16="http://schemas.microsoft.com/office/drawing/2014/main" id="{E8CAC22F-1542-4031-BC6C-A16989886504}"/>
               </a:ext>
             </a:extLst>
           </p:cNvPr>
@@ -9146,9 +9139,6 @@
               </a:rPr>
               <a:t>Creating Analytic Designer Application  </a:t>
             </a:r>
-            <a:endParaRPr lang="en-US" dirty="0">
-              <a:latin typeface="Cooper Black" panose="0208090404030B020404" pitchFamily="18" charset="0"/>
-            </a:endParaRPr>
           </a:p>
         </p:txBody>
       </p:sp>
@@ -9157,7 +9147,7 @@
           <p:cNvPr id="37" name="TextBox 36">
             <a:extLst>
               <a:ext uri="{FF2B5EF4-FFF2-40B4-BE49-F238E27FC236}">
-                <a16:creationId xmlns:a16="http://schemas.microsoft.com/office/drawing/2014/main" xmlns="" id="{E8CAC22F-1542-4031-BC6C-A16989886504}"/>
+                <a16:creationId xmlns:a16="http://schemas.microsoft.com/office/drawing/2014/main" id="{E8CAC22F-1542-4031-BC6C-A16989886504}"/>
               </a:ext>
             </a:extLst>
           </p:cNvPr>
@@ -9210,7 +9200,7 @@
           <p:cNvPr id="40" name="Picture 39">
             <a:extLst>
               <a:ext uri="{FF2B5EF4-FFF2-40B4-BE49-F238E27FC236}">
-                <a16:creationId xmlns:a16="http://schemas.microsoft.com/office/drawing/2014/main" xmlns="" id="{DA60E6FB-8C44-4FEB-B6E9-83DA908565CD}"/>
+                <a16:creationId xmlns:a16="http://schemas.microsoft.com/office/drawing/2014/main" id="{DA60E6FB-8C44-4FEB-B6E9-83DA908565CD}"/>
               </a:ext>
             </a:extLst>
           </p:cNvPr>
@@ -9246,7 +9236,7 @@
           <p:cNvPr id="41" name="Straight Connector 40">
             <a:extLst>
               <a:ext uri="{FF2B5EF4-FFF2-40B4-BE49-F238E27FC236}">
-                <a16:creationId xmlns:a16="http://schemas.microsoft.com/office/drawing/2014/main" xmlns="" id="{3B3B7D73-CAE9-45AC-ACCE-FAEF4E505C7A}"/>
+                <a16:creationId xmlns:a16="http://schemas.microsoft.com/office/drawing/2014/main" id="{3B3B7D73-CAE9-45AC-ACCE-FAEF4E505C7A}"/>
               </a:ext>
             </a:extLst>
           </p:cNvPr>
@@ -9339,7 +9329,7 @@
           <p:cNvPr id="2" name="Title 3">
             <a:extLst>
               <a:ext uri="{FF2B5EF4-FFF2-40B4-BE49-F238E27FC236}">
-                <a16:creationId xmlns:a16="http://schemas.microsoft.com/office/drawing/2014/main" xmlns="" id="{F07FC580-E2AB-4C55-8C95-D5E077A1D127}"/>
+                <a16:creationId xmlns:a16="http://schemas.microsoft.com/office/drawing/2014/main" id="{F07FC580-E2AB-4C55-8C95-D5E077A1D127}"/>
               </a:ext>
             </a:extLst>
           </p:cNvPr>
@@ -9388,7 +9378,7 @@
           <p:cNvPr id="7" name="TextBox 6">
             <a:extLst>
               <a:ext uri="{FF2B5EF4-FFF2-40B4-BE49-F238E27FC236}">
-                <a16:creationId xmlns:a16="http://schemas.microsoft.com/office/drawing/2014/main" xmlns="" id="{17EB74BE-8011-4153-8F37-3BEF9C1F4CC0}"/>
+                <a16:creationId xmlns:a16="http://schemas.microsoft.com/office/drawing/2014/main" id="{17EB74BE-8011-4153-8F37-3BEF9C1F4CC0}"/>
               </a:ext>
             </a:extLst>
           </p:cNvPr>
@@ -9453,7 +9443,7 @@
           <p:cNvPr id="2" name="Title 1">
             <a:extLst>
               <a:ext uri="{FF2B5EF4-FFF2-40B4-BE49-F238E27FC236}">
-                <a16:creationId xmlns:a16="http://schemas.microsoft.com/office/drawing/2014/main" xmlns="" id="{29CB9E00-0397-4178-9E57-32DC82D3A8F7}"/>
+                <a16:creationId xmlns:a16="http://schemas.microsoft.com/office/drawing/2014/main" id="{29CB9E00-0397-4178-9E57-32DC82D3A8F7}"/>
               </a:ext>
             </a:extLst>
           </p:cNvPr>
@@ -9478,7 +9468,7 @@
           <p:cNvPr id="3" name="Content Placeholder 2">
             <a:extLst>
               <a:ext uri="{FF2B5EF4-FFF2-40B4-BE49-F238E27FC236}">
-                <a16:creationId xmlns:a16="http://schemas.microsoft.com/office/drawing/2014/main" xmlns="" id="{73A078A5-4F35-4958-8384-CBBBD3DED2C3}"/>
+                <a16:creationId xmlns:a16="http://schemas.microsoft.com/office/drawing/2014/main" id="{73A078A5-4F35-4958-8384-CBBBD3DED2C3}"/>
               </a:ext>
             </a:extLst>
           </p:cNvPr>
@@ -9533,7 +9523,7 @@
           <p:cNvPr id="1028" name="Picture 4" descr="Free Vector | Flat people with question marks background">
             <a:extLst>
               <a:ext uri="{FF2B5EF4-FFF2-40B4-BE49-F238E27FC236}">
-                <a16:creationId xmlns:a16="http://schemas.microsoft.com/office/drawing/2014/main" xmlns="" id="{E158EC70-4769-4E41-A278-C90EC4E480C7}"/>
+                <a16:creationId xmlns:a16="http://schemas.microsoft.com/office/drawing/2014/main" id="{E158EC70-4769-4E41-A278-C90EC4E480C7}"/>
               </a:ext>
             </a:extLst>
           </p:cNvPr>
@@ -9578,7 +9568,7 @@
           <p:cNvPr id="2" name="TextBox 1">
             <a:extLst>
               <a:ext uri="{FF2B5EF4-FFF2-40B4-BE49-F238E27FC236}">
-                <a16:creationId xmlns:a16="http://schemas.microsoft.com/office/drawing/2014/main" xmlns="" id="{994C3DB2-D47E-4B94-804B-87AF1FDEF86E}"/>
+                <a16:creationId xmlns:a16="http://schemas.microsoft.com/office/drawing/2014/main" id="{994C3DB2-D47E-4B94-804B-87AF1FDEF86E}"/>
               </a:ext>
             </a:extLst>
           </p:cNvPr>
@@ -9653,7 +9643,7 @@
           <p:cNvPr id="2052" name="Picture 4" descr="Ski Jumping Arena - Free Presentation Templates">
             <a:extLst>
               <a:ext uri="{FF2B5EF4-FFF2-40B4-BE49-F238E27FC236}">
-                <a16:creationId xmlns:a16="http://schemas.microsoft.com/office/drawing/2014/main" xmlns="" id="{B0D7E6A1-F72A-4F69-B4FB-A4ED7A0C6CED}"/>
+                <a16:creationId xmlns:a16="http://schemas.microsoft.com/office/drawing/2014/main" id="{B0D7E6A1-F72A-4F69-B4FB-A4ED7A0C6CED}"/>
               </a:ext>
             </a:extLst>
           </p:cNvPr>
